--- a/README/Documentation.pptx
+++ b/README/Documentation.pptx
@@ -10,6 +10,7 @@
     <p:sldId id="258" r:id="rId4"/>
     <p:sldId id="259" r:id="rId5"/>
     <p:sldId id="260" r:id="rId6"/>
+    <p:sldId id="261" r:id="rId7"/>
   </p:sldIdLst>
   <p:sldSz cx="12192000" cy="6858000"/>
   <p:notesSz cx="6858000" cy="9144000"/>
@@ -108,6 +109,11 @@
       </a:defRPr>
     </a:lvl9pPr>
   </p:defaultTextStyle>
+  <p:extLst>
+    <p:ext uri="{EFAFB233-063F-42B5-8137-9DF3F51BA10A}">
+      <p15:sldGuideLst xmlns:p15="http://schemas.microsoft.com/office/powerpoint/2012/main"/>
+    </p:ext>
+  </p:extLst>
 </p:presentation>
 </file>
 
@@ -124,7 +130,7 @@
   <pc:docChgLst>
     <pc:chgData name="Joe Cooney" userId="13333dc2-6972-4681-8864-39fe96d1e958" providerId="ADAL" clId="{F215967C-C357-4A04-99CF-49852960DFD8}"/>
     <pc:docChg chg="undo custSel addSld delSld modSld">
-      <pc:chgData name="Joe Cooney" userId="13333dc2-6972-4681-8864-39fe96d1e958" providerId="ADAL" clId="{F215967C-C357-4A04-99CF-49852960DFD8}" dt="2024-02-27T01:24:33.993" v="919" actId="20577"/>
+      <pc:chgData name="Joe Cooney" userId="13333dc2-6972-4681-8864-39fe96d1e958" providerId="ADAL" clId="{F215967C-C357-4A04-99CF-49852960DFD8}" dt="2024-02-28T19:49:49.909" v="957" actId="1076"/>
       <pc:docMkLst>
         <pc:docMk/>
       </pc:docMkLst>
@@ -450,6 +456,37 @@
           </ac:graphicFrameMkLst>
         </pc:graphicFrameChg>
       </pc:sldChg>
+      <pc:sldChg chg="modSp add mod">
+        <pc:chgData name="Joe Cooney" userId="13333dc2-6972-4681-8864-39fe96d1e958" providerId="ADAL" clId="{F215967C-C357-4A04-99CF-49852960DFD8}" dt="2024-02-28T19:49:49.909" v="957" actId="1076"/>
+        <pc:sldMkLst>
+          <pc:docMk/>
+          <pc:sldMk cId="2339236257" sldId="261"/>
+        </pc:sldMkLst>
+        <pc:spChg chg="mod">
+          <ac:chgData name="Joe Cooney" userId="13333dc2-6972-4681-8864-39fe96d1e958" providerId="ADAL" clId="{F215967C-C357-4A04-99CF-49852960DFD8}" dt="2024-02-28T19:47:15.530" v="946" actId="20577"/>
+          <ac:spMkLst>
+            <pc:docMk/>
+            <pc:sldMk cId="2339236257" sldId="261"/>
+            <ac:spMk id="2" creationId="{19DAF141-0DD1-8CA7-DB9D-CEB0CE21A826}"/>
+          </ac:spMkLst>
+        </pc:spChg>
+        <pc:spChg chg="mod">
+          <ac:chgData name="Joe Cooney" userId="13333dc2-6972-4681-8864-39fe96d1e958" providerId="ADAL" clId="{F215967C-C357-4A04-99CF-49852960DFD8}" dt="2024-02-28T19:48:12.497" v="951" actId="255"/>
+          <ac:spMkLst>
+            <pc:docMk/>
+            <pc:sldMk cId="2339236257" sldId="261"/>
+            <ac:spMk id="3" creationId="{A4A0F334-2E8B-1A04-5B13-4A7CE5001161}"/>
+          </ac:spMkLst>
+        </pc:spChg>
+        <pc:spChg chg="mod">
+          <ac:chgData name="Joe Cooney" userId="13333dc2-6972-4681-8864-39fe96d1e958" providerId="ADAL" clId="{F215967C-C357-4A04-99CF-49852960DFD8}" dt="2024-02-28T19:49:49.909" v="957" actId="1076"/>
+          <ac:spMkLst>
+            <pc:docMk/>
+            <pc:sldMk cId="2339236257" sldId="261"/>
+            <ac:spMk id="4" creationId="{6A5F82FF-E203-9D9E-DB7F-5D0988DCDA0C}"/>
+          </ac:spMkLst>
+        </pc:spChg>
+      </pc:sldChg>
       <pc:sldMasterChg chg="addSldLayout">
         <pc:chgData name="Joe Cooney" userId="13333dc2-6972-4681-8864-39fe96d1e958" providerId="ADAL" clId="{F215967C-C357-4A04-99CF-49852960DFD8}" dt="2024-02-26T18:49:24.393" v="0" actId="680"/>
         <pc:sldMasterMkLst>
@@ -19604,7 +19641,7 @@
           <a:p>
             <a:fld id="{62159533-A917-4BD1-9675-2F50801B9750}" type="datetimeFigureOut">
               <a:rPr lang="en-CA" smtClean="0"/>
-              <a:t>2024-02-26</a:t>
+              <a:t>2024-02-28</a:t>
             </a:fld>
             <a:endParaRPr lang="en-CA"/>
           </a:p>
@@ -19872,7 +19909,7 @@
           <a:p>
             <a:fld id="{62159533-A917-4BD1-9675-2F50801B9750}" type="datetimeFigureOut">
               <a:rPr lang="en-CA" smtClean="0"/>
-              <a:t>2024-02-26</a:t>
+              <a:t>2024-02-28</a:t>
             </a:fld>
             <a:endParaRPr lang="en-CA"/>
           </a:p>
@@ -20072,7 +20109,7 @@
           <a:p>
             <a:fld id="{62159533-A917-4BD1-9675-2F50801B9750}" type="datetimeFigureOut">
               <a:rPr lang="en-CA" smtClean="0"/>
-              <a:t>2024-02-26</a:t>
+              <a:t>2024-02-28</a:t>
             </a:fld>
             <a:endParaRPr lang="en-CA"/>
           </a:p>
@@ -23795,13 +23832,13 @@
   <p:clrMapOvr>
     <a:masterClrMapping/>
   </p:clrMapOvr>
-  <mc:AlternateContent xmlns:mc="http://schemas.openxmlformats.org/markup-compatibility/2006">
-    <mc:Choice xmlns:p14="http://schemas.microsoft.com/office/powerpoint/2010/main" Requires="p14">
+  <mc:AlternateContent xmlns:mc="http://schemas.openxmlformats.org/markup-compatibility/2006" xmlns:p14="http://schemas.microsoft.com/office/powerpoint/2010/main">
+    <mc:Choice Requires="p14">
       <p:transition spd="med" p14:dur="700">
         <p:fade/>
       </p:transition>
     </mc:Choice>
-    <mc:Fallback>
+    <mc:Fallback xmlns="">
       <p:transition spd="med">
         <p:fade/>
       </p:transition>
@@ -24645,6 +24682,253 @@
     <p:extLst>
       <p:ext uri="{BB962C8B-B14F-4D97-AF65-F5344CB8AC3E}">
         <p14:creationId xmlns:p14="http://schemas.microsoft.com/office/powerpoint/2010/main" val="3603560041"/>
+      </p:ext>
+    </p:extLst>
+  </p:cSld>
+  <p:clrMapOvr>
+    <a:masterClrMapping/>
+  </p:clrMapOvr>
+  <p:transition>
+    <p:fade/>
+  </p:transition>
+</p:sld>
+</file>
+
+<file path=ppt/slides/slide6.xml><?xml version="1.0" encoding="utf-8"?>
+<p:sld xmlns:a="http://schemas.openxmlformats.org/drawingml/2006/main" xmlns:r="http://schemas.openxmlformats.org/officeDocument/2006/relationships" xmlns:p="http://schemas.openxmlformats.org/presentationml/2006/main">
+  <p:cSld>
+    <p:spTree>
+      <p:nvGrpSpPr>
+        <p:cNvPr id="1" name=""/>
+        <p:cNvGrpSpPr/>
+        <p:nvPr/>
+      </p:nvGrpSpPr>
+      <p:grpSpPr>
+        <a:xfrm>
+          <a:off x="0" y="0"/>
+          <a:ext cx="0" cy="0"/>
+          <a:chOff x="0" y="0"/>
+          <a:chExt cx="0" cy="0"/>
+        </a:xfrm>
+      </p:grpSpPr>
+      <p:sp>
+        <p:nvSpPr>
+          <p:cNvPr id="2" name="Title 1">
+            <a:extLst>
+              <a:ext uri="{FF2B5EF4-FFF2-40B4-BE49-F238E27FC236}">
+                <a16:creationId xmlns:a16="http://schemas.microsoft.com/office/drawing/2014/main" id="{19DAF141-0DD1-8CA7-DB9D-CEB0CE21A826}"/>
+              </a:ext>
+            </a:extLst>
+          </p:cNvPr>
+          <p:cNvSpPr>
+            <a:spLocks noGrp="1"/>
+          </p:cNvSpPr>
+          <p:nvPr>
+            <p:ph type="title"/>
+          </p:nvPr>
+        </p:nvSpPr>
+        <p:spPr/>
+        <p:txBody>
+          <a:bodyPr/>
+          <a:lstStyle/>
+          <a:p>
+            <a:r>
+              <a:rPr lang="en-US" dirty="0"/>
+              <a:t>Context &amp; Input Parameters</a:t>
+            </a:r>
+          </a:p>
+        </p:txBody>
+      </p:sp>
+      <p:sp>
+        <p:nvSpPr>
+          <p:cNvPr id="3" name="Content Placeholder 2">
+            <a:extLst>
+              <a:ext uri="{FF2B5EF4-FFF2-40B4-BE49-F238E27FC236}">
+                <a16:creationId xmlns:a16="http://schemas.microsoft.com/office/drawing/2014/main" id="{A4A0F334-2E8B-1A04-5B13-4A7CE5001161}"/>
+              </a:ext>
+            </a:extLst>
+          </p:cNvPr>
+          <p:cNvSpPr>
+            <a:spLocks noGrp="1"/>
+          </p:cNvSpPr>
+          <p:nvPr>
+            <p:ph sz="quarter" idx="12"/>
+          </p:nvPr>
+        </p:nvSpPr>
+        <p:spPr>
+          <a:xfrm>
+            <a:off x="584200" y="1435100"/>
+            <a:ext cx="5211763" cy="4653582"/>
+          </a:xfrm>
+        </p:spPr>
+        <p:txBody>
+          <a:bodyPr/>
+          <a:lstStyle/>
+          <a:p>
+            <a:r>
+              <a:rPr lang="en-US" sz="1800" dirty="0"/>
+              <a:t>client - This property provides you with information about the client(</a:t>
+            </a:r>
+            <a:r>
+              <a:rPr lang="en-US" sz="1800" dirty="0" err="1"/>
+              <a:t>web,Outlook</a:t>
+            </a:r>
+            <a:r>
+              <a:rPr lang="en-US" sz="1800" dirty="0"/>
+              <a:t> or mobile), the form factor (</a:t>
+            </a:r>
+            <a:r>
+              <a:rPr lang="en-US" sz="1800" dirty="0" err="1"/>
+              <a:t>desktop,tablet</a:t>
+            </a:r>
+            <a:r>
+              <a:rPr lang="en-US" sz="1800" dirty="0"/>
+              <a:t> or phone), if you're offline, and if the network is available.</a:t>
+            </a:r>
+          </a:p>
+          <a:p>
+            <a:endParaRPr lang="en-US" sz="1800" dirty="0"/>
+          </a:p>
+          <a:p>
+            <a:r>
+              <a:rPr lang="en-US" sz="1800" dirty="0"/>
+              <a:t>mode - This property provides information about the current state of the code component. For example, is the component visible, is it disabled, and what is the current allocated size.</a:t>
+            </a:r>
+          </a:p>
+          <a:p>
+            <a:endParaRPr lang="en-US" sz="1800" dirty="0"/>
+          </a:p>
+          <a:p>
+            <a:r>
+              <a:rPr lang="en-US" sz="1800" dirty="0" err="1"/>
+              <a:t>userSettings</a:t>
+            </a:r>
+            <a:r>
+              <a:rPr lang="en-US" sz="1800" dirty="0"/>
+              <a:t> - This property provides information about the current user like their </a:t>
+            </a:r>
+            <a:r>
+              <a:rPr lang="en-US" sz="1800" dirty="0" err="1"/>
+              <a:t>LanguageId</a:t>
+            </a:r>
+            <a:r>
+              <a:rPr lang="en-US" sz="1800" dirty="0"/>
+              <a:t>, User ID and Name. For model-driven apps the </a:t>
+            </a:r>
+            <a:r>
+              <a:rPr lang="en-US" sz="1800" dirty="0" err="1"/>
+              <a:t>securityRoles</a:t>
+            </a:r>
+            <a:r>
+              <a:rPr lang="en-US" sz="1800" dirty="0"/>
+              <a:t> property can be useful to learn the roles for the current user.</a:t>
+            </a:r>
+          </a:p>
+        </p:txBody>
+      </p:sp>
+      <p:sp>
+        <p:nvSpPr>
+          <p:cNvPr id="4" name="Content Placeholder 3">
+            <a:extLst>
+              <a:ext uri="{FF2B5EF4-FFF2-40B4-BE49-F238E27FC236}">
+                <a16:creationId xmlns:a16="http://schemas.microsoft.com/office/drawing/2014/main" id="{6A5F82FF-E203-9D9E-DB7F-5D0988DCDA0C}"/>
+              </a:ext>
+            </a:extLst>
+          </p:cNvPr>
+          <p:cNvSpPr>
+            <a:spLocks noGrp="1"/>
+          </p:cNvSpPr>
+          <p:nvPr>
+            <p:ph sz="quarter" idx="13"/>
+          </p:nvPr>
+        </p:nvSpPr>
+        <p:spPr>
+          <a:xfrm>
+            <a:off x="6337738" y="1435100"/>
+            <a:ext cx="5219700" cy="5059847"/>
+          </a:xfrm>
+        </p:spPr>
+        <p:txBody>
+          <a:bodyPr/>
+          <a:lstStyle/>
+          <a:p>
+            <a:r>
+              <a:rPr lang="en-US" sz="1200" dirty="0"/>
+              <a:t>device - This property provides access to methods to use native device capabilities. Using these services, you can capture audio, video, and images, get bar code values, identify the device geolocation, and pick files.</a:t>
+            </a:r>
+          </a:p>
+          <a:p>
+            <a:endParaRPr lang="en-US" sz="1200" dirty="0"/>
+          </a:p>
+          <a:p>
+            <a:r>
+              <a:rPr lang="en-US" sz="1200" dirty="0"/>
+              <a:t>factory - This currently only offers methods to work with the Popup service, but could support other services in the future.</a:t>
+            </a:r>
+          </a:p>
+          <a:p>
+            <a:endParaRPr lang="en-US" sz="1200" dirty="0"/>
+          </a:p>
+          <a:p>
+            <a:r>
+              <a:rPr lang="en-US" sz="1200" dirty="0"/>
+              <a:t>formatting - Provides methods to help you format data from currency to time. These methods can help you keep formatting consistent with the hosting application user settings.</a:t>
+            </a:r>
+          </a:p>
+          <a:p>
+            <a:endParaRPr lang="en-US" sz="1200" dirty="0"/>
+          </a:p>
+          <a:p>
+            <a:r>
+              <a:rPr lang="en-US" sz="1200" dirty="0"/>
+              <a:t>navigation - Provides navigation-related methods like open forms, open URLs, dialogs (alert, confirm, error), and more.</a:t>
+            </a:r>
+          </a:p>
+          <a:p>
+            <a:endParaRPr lang="en-US" sz="1200" dirty="0"/>
+          </a:p>
+          <a:p>
+            <a:r>
+              <a:rPr lang="en-US" sz="1200" dirty="0"/>
+              <a:t>resources - Provides access to the methods to get all the information about the resource files defined in the manifest. These methods are essential to help localize all your component's content.</a:t>
+            </a:r>
+          </a:p>
+          <a:p>
+            <a:endParaRPr lang="en-US" sz="1200" dirty="0"/>
+          </a:p>
+          <a:p>
+            <a:r>
+              <a:rPr lang="en-US" sz="1200" dirty="0"/>
+              <a:t>utils - Provides access to table metadata and also allows you to check user access to specific tables. The </a:t>
+            </a:r>
+            <a:r>
+              <a:rPr lang="en-US" sz="1200" dirty="0" err="1"/>
+              <a:t>lookupObjects</a:t>
+            </a:r>
+            <a:r>
+              <a:rPr lang="en-US" sz="1200" dirty="0"/>
+              <a:t> method allows components access to the standard lookup dialog, allowing users to pick one or more rows.</a:t>
+            </a:r>
+          </a:p>
+          <a:p>
+            <a:endParaRPr lang="en-US" sz="1200" dirty="0"/>
+          </a:p>
+          <a:p>
+            <a:r>
+              <a:rPr lang="en-US" sz="1200" dirty="0" err="1"/>
+              <a:t>webAPI</a:t>
+            </a:r>
+            <a:r>
+              <a:rPr lang="en-US" sz="1200" dirty="0"/>
+              <a:t> - Provides basic create, read, update, and delete access to Dataverse table data.</a:t>
+            </a:r>
+          </a:p>
+        </p:txBody>
+      </p:sp>
+    </p:spTree>
+    <p:extLst>
+      <p:ext uri="{BB962C8B-B14F-4D97-AF65-F5344CB8AC3E}">
+        <p14:creationId xmlns:p14="http://schemas.microsoft.com/office/powerpoint/2010/main" val="2339236257"/>
       </p:ext>
     </p:extLst>
   </p:cSld>
